--- a/ALearnedRepresentationForArtisticStyle.pptx
+++ b/ALearnedRepresentationForArtisticStyle.pptx
@@ -4100,7 +4100,7 @@
         <p:spPr/>
         <p:txBody>
           <a:bodyPr>
-            <a:normAutofit fontScale="90000"/>
+            <a:normAutofit/>
           </a:bodyPr>
           <a:lstStyle/>
           <a:p>
@@ -4525,7 +4525,7 @@
         <p:spPr/>
         <p:txBody>
           <a:bodyPr>
-            <a:normAutofit fontScale="90000"/>
+            <a:normAutofit/>
           </a:bodyPr>
           <a:lstStyle/>
           <a:p>
@@ -4730,7 +4730,7 @@
         <p:spPr/>
         <p:txBody>
           <a:bodyPr>
-            <a:normAutofit fontScale="90000"/>
+            <a:normAutofit/>
           </a:bodyPr>
           <a:lstStyle/>
           <a:p>
@@ -5096,7 +5096,7 @@
         <p:spPr/>
         <p:txBody>
           <a:bodyPr>
-            <a:normAutofit fontScale="90000"/>
+            <a:normAutofit/>
           </a:bodyPr>
           <a:lstStyle/>
           <a:p>
@@ -5557,7 +5557,7 @@
         <p:spPr/>
         <p:txBody>
           <a:bodyPr>
-            <a:normAutofit fontScale="90000"/>
+            <a:normAutofit/>
           </a:bodyPr>
           <a:lstStyle/>
           <a:p>
@@ -5722,7 +5722,7 @@
         <p:spPr/>
         <p:txBody>
           <a:bodyPr>
-            <a:normAutofit fontScale="90000"/>
+            <a:normAutofit/>
           </a:bodyPr>
           <a:lstStyle/>
           <a:p>
@@ -5873,7 +5873,7 @@
         <p:spPr/>
         <p:txBody>
           <a:bodyPr>
-            <a:normAutofit fontScale="90000"/>
+            <a:normAutofit/>
           </a:bodyPr>
           <a:lstStyle/>
           <a:p>
@@ -6053,8 +6053,8 @@
           </a:prstGeom>
         </p:spPr>
       </p:pic>
-      <mc:AlternateContent xmlns:mc="http://schemas.openxmlformats.org/markup-compatibility/2006">
-        <mc:Choice xmlns:a14="http://schemas.microsoft.com/office/drawing/2010/main" Requires="a14">
+      <mc:AlternateContent xmlns:mc="http://schemas.openxmlformats.org/markup-compatibility/2006" xmlns:a14="http://schemas.microsoft.com/office/drawing/2010/main">
+        <mc:Choice Requires="a14">
           <p:sp>
             <p:nvSpPr>
               <p:cNvPr id="9" name="テキスト ボックス 8">
@@ -6205,7 +6205,7 @@
             </p:txBody>
           </p:sp>
         </mc:Choice>
-        <mc:Fallback>
+        <mc:Fallback xmlns="">
           <p:sp>
             <p:nvSpPr>
               <p:cNvPr id="9" name="テキスト ボックス 8">
@@ -6370,7 +6370,7 @@
         <p:spPr/>
         <p:txBody>
           <a:bodyPr>
-            <a:normAutofit fontScale="90000"/>
+            <a:normAutofit/>
           </a:bodyPr>
           <a:lstStyle/>
           <a:p>
@@ -6568,7 +6568,7 @@
         <p:spPr/>
         <p:txBody>
           <a:bodyPr>
-            <a:normAutofit fontScale="90000"/>
+            <a:normAutofit/>
           </a:bodyPr>
           <a:lstStyle/>
           <a:p>
@@ -6979,7 +6979,7 @@
         <p:spPr/>
         <p:txBody>
           <a:bodyPr>
-            <a:normAutofit fontScale="90000"/>
+            <a:normAutofit/>
           </a:bodyPr>
           <a:lstStyle/>
           <a:p>
@@ -7827,7 +7827,7 @@
         <p:spPr/>
         <p:txBody>
           <a:bodyPr>
-            <a:normAutofit fontScale="90000"/>
+            <a:normAutofit/>
           </a:bodyPr>
           <a:lstStyle/>
           <a:p>
@@ -8060,7 +8060,7 @@
         <p:spPr/>
         <p:txBody>
           <a:bodyPr>
-            <a:normAutofit fontScale="90000"/>
+            <a:normAutofit/>
           </a:bodyPr>
           <a:lstStyle/>
           <a:p>
@@ -8279,7 +8279,7 @@
         <p:spPr/>
         <p:txBody>
           <a:bodyPr>
-            <a:normAutofit fontScale="90000"/>
+            <a:normAutofit/>
           </a:bodyPr>
           <a:lstStyle/>
           <a:p>
@@ -8534,7 +8534,7 @@
         <p:spPr/>
         <p:txBody>
           <a:bodyPr>
-            <a:normAutofit fontScale="90000"/>
+            <a:normAutofit/>
           </a:bodyPr>
           <a:lstStyle/>
           <a:p>
@@ -9422,7 +9422,7 @@
         <p:spPr/>
         <p:txBody>
           <a:bodyPr>
-            <a:normAutofit fontScale="90000"/>
+            <a:normAutofit/>
           </a:bodyPr>
           <a:lstStyle/>
           <a:p>
@@ -9876,8 +9876,8 @@
         </p:blipFill>
         <p:spPr>
           <a:xfrm>
-            <a:off x="3054183" y="2783971"/>
-            <a:ext cx="1502129" cy="1512348"/>
+            <a:off x="2038029" y="2783971"/>
+            <a:ext cx="2157663" cy="2172342"/>
           </a:xfrm>
           <a:prstGeom prst="rect">
             <a:avLst/>
@@ -9906,8 +9906,8 @@
         </p:blipFill>
         <p:spPr>
           <a:xfrm>
-            <a:off x="7032628" y="2783971"/>
-            <a:ext cx="1520064" cy="1512348"/>
+            <a:off x="6663456" y="2810475"/>
+            <a:ext cx="2144625" cy="2133739"/>
           </a:xfrm>
           <a:prstGeom prst="rect">
             <a:avLst/>
@@ -9925,14 +9925,15 @@
           </p:cNvPr>
           <p:cNvCxnSpPr>
             <a:cxnSpLocks/>
+            <a:stCxn id="4" idx="3"/>
             <a:endCxn id="5" idx="1"/>
           </p:cNvCxnSpPr>
           <p:nvPr/>
         </p:nvCxnSpPr>
         <p:spPr>
           <a:xfrm>
-            <a:off x="4378572" y="3540145"/>
-            <a:ext cx="2654056" cy="0"/>
+            <a:off x="4195692" y="3870142"/>
+            <a:ext cx="2467764" cy="7203"/>
           </a:xfrm>
           <a:prstGeom prst="straightConnector1">
             <a:avLst/>
@@ -9973,8 +9974,8 @@
         </p:nvSpPr>
         <p:spPr>
           <a:xfrm>
-            <a:off x="3477856" y="2303003"/>
-            <a:ext cx="717836" cy="369332"/>
+            <a:off x="2576413" y="2287255"/>
+            <a:ext cx="1080893" cy="523220"/>
           </a:xfrm>
           <a:prstGeom prst="rect">
             <a:avLst/>
@@ -9988,19 +9989,19 @@
           <a:lstStyle/>
           <a:p>
             <a:r>
-              <a:rPr lang="en-US" altLang="ja-JP" dirty="0"/>
+              <a:rPr lang="en-US" altLang="ja-JP" sz="2800" dirty="0"/>
               <a:t>input</a:t>
             </a:r>
-            <a:endParaRPr lang="ja-JP" altLang="en-US" dirty="0"/>
-          </a:p>
-        </p:txBody>
-      </p:sp>
-      <p:sp>
-        <p:nvSpPr>
-          <p:cNvPr id="24" name="テキスト ボックス 23">
+            <a:endParaRPr lang="ja-JP" altLang="en-US" sz="2800" dirty="0"/>
+          </a:p>
+        </p:txBody>
+      </p:sp>
+      <p:sp>
+        <p:nvSpPr>
+          <p:cNvPr id="15" name="テキスト ボックス 14">
             <a:extLst>
               <a:ext uri="{FF2B5EF4-FFF2-40B4-BE49-F238E27FC236}">
-                <a16:creationId xmlns:a16="http://schemas.microsoft.com/office/drawing/2014/main" id="{FF2781D4-55AF-45EF-B7C9-F2463E8B4B7D}"/>
+                <a16:creationId xmlns:a16="http://schemas.microsoft.com/office/drawing/2014/main" id="{4FE17FF0-FBD6-4CC2-8A42-CFE148506529}"/>
               </a:ext>
             </a:extLst>
           </p:cNvPr>
@@ -10009,8 +10010,8 @@
         </p:nvSpPr>
         <p:spPr>
           <a:xfrm>
-            <a:off x="7433742" y="2343040"/>
-            <a:ext cx="954122" cy="369332"/>
+            <a:off x="7168817" y="2287255"/>
+            <a:ext cx="1339079" cy="523220"/>
           </a:xfrm>
           <a:prstGeom prst="rect">
             <a:avLst/>
@@ -10024,10 +10025,10 @@
           <a:lstStyle/>
           <a:p>
             <a:r>
-              <a:rPr lang="en-US" altLang="ja-JP" dirty="0"/>
+              <a:rPr lang="en-US" altLang="ja-JP" sz="2800" dirty="0"/>
               <a:t>output</a:t>
             </a:r>
-            <a:endParaRPr lang="ja-JP" altLang="en-US" dirty="0"/>
+            <a:endParaRPr lang="ja-JP" altLang="en-US" sz="2800" dirty="0"/>
           </a:p>
         </p:txBody>
       </p:sp>
@@ -10085,7 +10086,7 @@
         </p:spPr>
         <p:txBody>
           <a:bodyPr>
-            <a:normAutofit fontScale="90000"/>
+            <a:normAutofit/>
           </a:bodyPr>
           <a:lstStyle/>
           <a:p>
@@ -10900,7 +10901,7 @@
         <p:spPr/>
         <p:txBody>
           <a:bodyPr>
-            <a:normAutofit fontScale="90000"/>
+            <a:normAutofit/>
           </a:bodyPr>
           <a:lstStyle/>
           <a:p>
@@ -10963,7 +10964,7 @@
         <p:spPr>
           <a:xfrm>
             <a:off x="1771552" y="1482775"/>
-            <a:ext cx="8000543" cy="4031873"/>
+            <a:ext cx="9612065" cy="4339650"/>
           </a:xfrm>
           <a:prstGeom prst="rect">
             <a:avLst/>
@@ -11078,22 +11079,53 @@
           <a:p>
             <a:r>
               <a:rPr lang="ja-JP" altLang="en-US" dirty="0"/>
-              <a:t>　　１：学習済み</a:t>
-            </a:r>
-            <a:r>
-              <a:rPr lang="en-US" altLang="ja-JP" dirty="0"/>
-              <a:t>CNN</a:t>
-            </a:r>
+              <a:t>　　１：「生成画像」と「コンテンツ画像」の深い層の出力誤差</a:t>
+            </a:r>
+            <a:r>
+              <a:rPr lang="ja-JP" altLang="en-US" dirty="0">
+                <a:solidFill>
+                  <a:srgbClr val="FF0000"/>
+                </a:solidFill>
+              </a:rPr>
+              <a:t>（コンテンツ損失）</a:t>
+            </a:r>
+            <a:endParaRPr lang="en-US" altLang="ja-JP" dirty="0">
+              <a:solidFill>
+                <a:srgbClr val="FF0000"/>
+              </a:solidFill>
+            </a:endParaRPr>
+          </a:p>
+          <a:p>
             <a:r>
               <a:rPr lang="ja-JP" altLang="en-US" dirty="0"/>
-              <a:t>に入力したときにコンテンツ画像と深い層の出力が似ている</a:t>
-            </a:r>
-            <a:endParaRPr lang="en-US" altLang="ja-JP" dirty="0"/>
-          </a:p>
-          <a:p>
+              <a:t>　　２：「生成画像」と「スタイル画像」の画風を表すベクトルの誤差</a:t>
+            </a:r>
+            <a:r>
+              <a:rPr lang="ja-JP" altLang="en-US" dirty="0">
+                <a:solidFill>
+                  <a:srgbClr val="FF0000"/>
+                </a:solidFill>
+              </a:rPr>
+              <a:t>（スタイル損失）</a:t>
+            </a:r>
+            <a:endParaRPr lang="en-US" altLang="ja-JP" dirty="0">
+              <a:solidFill>
+                <a:srgbClr val="FF0000"/>
+              </a:solidFill>
+            </a:endParaRPr>
+          </a:p>
+          <a:p>
+            <a:r>
+              <a:rPr lang="ja-JP" altLang="en-US" dirty="0">
+                <a:solidFill>
+                  <a:srgbClr val="FF0000"/>
+                </a:solidFill>
+              </a:rPr>
+              <a:t>　　</a:t>
+            </a:r>
             <a:r>
               <a:rPr lang="ja-JP" altLang="en-US" dirty="0"/>
-              <a:t>　　２：「スタイル画像」と「画風を表すベクトル」が似ている</a:t>
+              <a:t>３：１、２の誤差を最小化するように画像を生成する</a:t>
             </a:r>
             <a:endParaRPr lang="en-US" altLang="ja-JP" dirty="0"/>
           </a:p>
@@ -11254,7 +11286,7 @@
         <p:spPr/>
         <p:txBody>
           <a:bodyPr>
-            <a:normAutofit fontScale="90000"/>
+            <a:normAutofit/>
           </a:bodyPr>
           <a:lstStyle/>
           <a:p>

--- a/ALearnedRepresentationForArtisticStyle.pptx
+++ b/ALearnedRepresentationForArtisticStyle.pptx
@@ -223,7 +223,7 @@
           <a:p>
             <a:fld id="{912B4AFE-FDAC-4A21-8F0E-5C5B50DA15AA}" type="datetimeFigureOut">
               <a:rPr kumimoji="1" lang="ja-JP" altLang="en-US" smtClean="0"/>
-              <a:t>2017/7/11</a:t>
+              <a:t>2017/7/13</a:t>
             </a:fld>
             <a:endParaRPr kumimoji="1" lang="ja-JP" altLang="en-US"/>
           </a:p>
@@ -2849,7 +2849,7 @@
           <a:p>
             <a:fld id="{09AFEF92-4FB4-4312-978F-19FEDA125188}" type="datetime1">
               <a:rPr kumimoji="1" lang="ja-JP" altLang="en-US" smtClean="0"/>
-              <a:t>2017/7/11</a:t>
+              <a:t>2017/7/13</a:t>
             </a:fld>
             <a:endParaRPr kumimoji="1" lang="ja-JP" altLang="en-US"/>
           </a:p>
@@ -3508,7 +3508,7 @@
           <a:p>
             <a:fld id="{628B02AC-FF5C-4143-8C8F-FDE40C5C451F}" type="datetimeFigureOut">
               <a:rPr kumimoji="1" lang="ja-JP" altLang="en-US" smtClean="0"/>
-              <a:t>2017/7/11</a:t>
+              <a:t>2017/7/13</a:t>
             </a:fld>
             <a:endParaRPr kumimoji="1" lang="ja-JP" altLang="en-US"/>
           </a:p>
@@ -4951,8 +4951,8 @@
         </p:nvSpPr>
         <p:spPr>
           <a:xfrm>
-            <a:off x="1898969" y="4915717"/>
-            <a:ext cx="8126462" cy="584775"/>
+            <a:off x="1727809" y="4915717"/>
+            <a:ext cx="8464231" cy="584775"/>
           </a:xfrm>
           <a:prstGeom prst="rect">
             <a:avLst/>
@@ -4971,7 +4971,7 @@
                   <a:srgbClr val="119F4E"/>
                 </a:solidFill>
               </a:rPr>
-              <a:t>LEARNED REPRESENTATION FOR ARTISTIC STYLE</a:t>
+              <a:t>A LEARNED REPRESENTATION FOR ARTISTIC STYLE</a:t>
             </a:r>
           </a:p>
         </p:txBody>
